--- a/FinalProject/mountain_paths_final_project.pptx
+++ b/FinalProject/mountain_paths_final_project.pptx
@@ -5,7 +5,7 @@
     <p:sldMasterId id="2147483648" r:id="rId1"/>
   </p:sldMasterIdLst>
   <p:notesMasterIdLst>
-    <p:notesMasterId r:id="rId17"/>
+    <p:notesMasterId r:id="rId18"/>
   </p:notesMasterIdLst>
   <p:sldIdLst>
     <p:sldId id="256" r:id="rId2"/>
@@ -22,7 +22,8 @@
     <p:sldId id="263" r:id="rId13"/>
     <p:sldId id="264" r:id="rId14"/>
     <p:sldId id="269" r:id="rId15"/>
-    <p:sldId id="270" r:id="rId16"/>
+    <p:sldId id="271" r:id="rId16"/>
+    <p:sldId id="270" r:id="rId17"/>
   </p:sldIdLst>
   <p:sldSz cx="12192000" cy="6858000"/>
   <p:notesSz cx="6858000" cy="9144000"/>
@@ -7814,6 +7815,437 @@
           <a:chExt cx="0" cy="0"/>
         </a:xfrm>
       </p:grpSpPr>
+      <p:sp>
+        <p:nvSpPr>
+          <p:cNvPr id="9" name="Rectangle 8">
+            <a:extLst>
+              <a:ext uri="{FF2B5EF4-FFF2-40B4-BE49-F238E27FC236}">
+                <a16:creationId xmlns:a16="http://schemas.microsoft.com/office/drawing/2014/main" id="{428D436F-9ACD-4C92-AFC8-C934C527A6A4}"/>
+              </a:ext>
+              <a:ext uri="{C183D7F6-B498-43B3-948B-1728B52AA6E4}">
+                <adec:decorative xmlns:adec="http://schemas.microsoft.com/office/drawing/2017/decorative" val="1"/>
+              </a:ext>
+            </a:extLst>
+          </p:cNvPr>
+          <p:cNvSpPr>
+            <a:spLocks noGrp="1" noRot="1" noChangeAspect="1" noMove="1" noResize="1" noEditPoints="1" noAdjustHandles="1" noChangeArrowheads="1" noChangeShapeType="1" noTextEdit="1"/>
+          </p:cNvSpPr>
+          <p:nvPr>
+            <p:extLst>
+              <p:ext uri="{386F3935-93C4-4BCD-93E2-E3B085C9AB24}">
+                <p16:designElem xmlns:p16="http://schemas.microsoft.com/office/powerpoint/2015/main" val="1"/>
+              </p:ext>
+            </p:extLst>
+          </p:nvPr>
+        </p:nvSpPr>
+        <p:spPr>
+          <a:xfrm>
+            <a:off x="6096000" y="0"/>
+            <a:ext cx="6096000" cy="6858000"/>
+          </a:xfrm>
+          <a:prstGeom prst="rect">
+            <a:avLst/>
+          </a:prstGeom>
+          <a:solidFill>
+            <a:schemeClr val="tx1">
+              <a:alpha val="8000"/>
+            </a:schemeClr>
+          </a:solidFill>
+          <a:ln>
+            <a:noFill/>
+          </a:ln>
+        </p:spPr>
+        <p:style>
+          <a:lnRef idx="2">
+            <a:schemeClr val="accent1">
+              <a:shade val="50000"/>
+            </a:schemeClr>
+          </a:lnRef>
+          <a:fillRef idx="1">
+            <a:schemeClr val="accent1"/>
+          </a:fillRef>
+          <a:effectRef idx="0">
+            <a:schemeClr val="accent1"/>
+          </a:effectRef>
+          <a:fontRef idx="minor">
+            <a:schemeClr val="lt1"/>
+          </a:fontRef>
+        </p:style>
+        <p:txBody>
+          <a:bodyPr rtlCol="0" anchor="ctr"/>
+          <a:lstStyle/>
+          <a:p>
+            <a:pPr algn="ctr"/>
+            <a:endParaRPr lang="en-US"/>
+          </a:p>
+        </p:txBody>
+      </p:sp>
+      <p:sp>
+        <p:nvSpPr>
+          <p:cNvPr id="11" name="Rectangle 10">
+            <a:extLst>
+              <a:ext uri="{FF2B5EF4-FFF2-40B4-BE49-F238E27FC236}">
+                <a16:creationId xmlns:a16="http://schemas.microsoft.com/office/drawing/2014/main" id="{090538E0-A884-4E60-A6AB-77D830E2FCED}"/>
+              </a:ext>
+              <a:ext uri="{C183D7F6-B498-43B3-948B-1728B52AA6E4}">
+                <adec:decorative xmlns:adec="http://schemas.microsoft.com/office/drawing/2017/decorative" val="1"/>
+              </a:ext>
+            </a:extLst>
+          </p:cNvPr>
+          <p:cNvSpPr>
+            <a:spLocks noGrp="1" noRot="1" noChangeAspect="1" noMove="1" noResize="1" noEditPoints="1" noAdjustHandles="1" noChangeArrowheads="1" noChangeShapeType="1" noTextEdit="1"/>
+          </p:cNvSpPr>
+          <p:nvPr>
+            <p:extLst>
+              <p:ext uri="{386F3935-93C4-4BCD-93E2-E3B085C9AB24}">
+                <p16:designElem xmlns:p16="http://schemas.microsoft.com/office/powerpoint/2015/main" val="1"/>
+              </p:ext>
+            </p:extLst>
+          </p:nvPr>
+        </p:nvSpPr>
+        <p:spPr>
+          <a:xfrm>
+            <a:off x="1453478" y="0"/>
+            <a:ext cx="4657389" cy="6858000"/>
+          </a:xfrm>
+          <a:prstGeom prst="rect">
+            <a:avLst/>
+          </a:prstGeom>
+          <a:solidFill>
+            <a:schemeClr val="accent2"/>
+          </a:solidFill>
+          <a:ln>
+            <a:noFill/>
+          </a:ln>
+        </p:spPr>
+        <p:style>
+          <a:lnRef idx="2">
+            <a:schemeClr val="accent1">
+              <a:shade val="50000"/>
+            </a:schemeClr>
+          </a:lnRef>
+          <a:fillRef idx="1">
+            <a:schemeClr val="accent1"/>
+          </a:fillRef>
+          <a:effectRef idx="0">
+            <a:schemeClr val="accent1"/>
+          </a:effectRef>
+          <a:fontRef idx="minor">
+            <a:schemeClr val="lt1"/>
+          </a:fontRef>
+        </p:style>
+        <p:txBody>
+          <a:bodyPr rtlCol="0" anchor="ctr"/>
+          <a:lstStyle/>
+          <a:p>
+            <a:pPr algn="ctr"/>
+            <a:endParaRPr lang="en-US"/>
+          </a:p>
+        </p:txBody>
+      </p:sp>
+      <p:sp>
+        <p:nvSpPr>
+          <p:cNvPr id="2" name="Title 1">
+            <a:extLst>
+              <a:ext uri="{FF2B5EF4-FFF2-40B4-BE49-F238E27FC236}">
+                <a16:creationId xmlns:a16="http://schemas.microsoft.com/office/drawing/2014/main" id="{2768C41A-F5DB-DE8B-24F9-8802735B5AA8}"/>
+              </a:ext>
+            </a:extLst>
+          </p:cNvPr>
+          <p:cNvSpPr>
+            <a:spLocks noGrp="1"/>
+          </p:cNvSpPr>
+          <p:nvPr>
+            <p:ph type="title"/>
+          </p:nvPr>
+        </p:nvSpPr>
+        <p:spPr>
+          <a:xfrm>
+            <a:off x="1901162" y="3050434"/>
+            <a:ext cx="3722933" cy="757130"/>
+          </a:xfrm>
+          <a:ln w="25400" cap="sq">
+            <a:solidFill>
+              <a:srgbClr val="FFFFFF"/>
+            </a:solidFill>
+            <a:miter lim="800000"/>
+          </a:ln>
+        </p:spPr>
+        <p:txBody>
+          <a:bodyPr wrap="square">
+            <a:normAutofit/>
+          </a:bodyPr>
+          <a:lstStyle/>
+          <a:p>
+            <a:pPr algn="ctr"/>
+            <a:r>
+              <a:rPr lang="en-US" sz="2400">
+                <a:solidFill>
+                  <a:srgbClr val="FFFFFF"/>
+                </a:solidFill>
+              </a:rPr>
+              <a:t>Comparing Dijkstra/Greedy</a:t>
+            </a:r>
+          </a:p>
+        </p:txBody>
+      </p:sp>
+      <p:sp>
+        <p:nvSpPr>
+          <p:cNvPr id="13" name="Rectangle 12">
+            <a:extLst>
+              <a:ext uri="{FF2B5EF4-FFF2-40B4-BE49-F238E27FC236}">
+                <a16:creationId xmlns:a16="http://schemas.microsoft.com/office/drawing/2014/main" id="{DB0D7DD0-1C67-4D4C-9E06-678233DB8468}"/>
+              </a:ext>
+              <a:ext uri="{C183D7F6-B498-43B3-948B-1728B52AA6E4}">
+                <adec:decorative xmlns:adec="http://schemas.microsoft.com/office/drawing/2017/decorative" val="1"/>
+              </a:ext>
+            </a:extLst>
+          </p:cNvPr>
+          <p:cNvSpPr>
+            <a:spLocks noGrp="1" noRot="1" noChangeAspect="1" noMove="1" noResize="1" noEditPoints="1" noAdjustHandles="1" noChangeArrowheads="1" noChangeShapeType="1" noTextEdit="1"/>
+          </p:cNvSpPr>
+          <p:nvPr>
+            <p:extLst>
+              <p:ext uri="{386F3935-93C4-4BCD-93E2-E3B085C9AB24}">
+                <p16:designElem xmlns:p16="http://schemas.microsoft.com/office/powerpoint/2015/main" val="1"/>
+              </p:ext>
+            </p:extLst>
+          </p:nvPr>
+        </p:nvSpPr>
+        <p:spPr>
+          <a:xfrm>
+            <a:off x="0" y="0"/>
+            <a:ext cx="1453478" cy="6858000"/>
+          </a:xfrm>
+          <a:prstGeom prst="rect">
+            <a:avLst/>
+          </a:prstGeom>
+          <a:solidFill>
+            <a:srgbClr val="404040">
+              <a:alpha val="80000"/>
+            </a:srgbClr>
+          </a:solidFill>
+          <a:ln>
+            <a:noFill/>
+          </a:ln>
+        </p:spPr>
+        <p:style>
+          <a:lnRef idx="2">
+            <a:schemeClr val="accent1">
+              <a:shade val="50000"/>
+            </a:schemeClr>
+          </a:lnRef>
+          <a:fillRef idx="1">
+            <a:schemeClr val="accent1"/>
+          </a:fillRef>
+          <a:effectRef idx="0">
+            <a:schemeClr val="accent1"/>
+          </a:effectRef>
+          <a:fontRef idx="minor">
+            <a:schemeClr val="lt1"/>
+          </a:fontRef>
+        </p:style>
+        <p:txBody>
+          <a:bodyPr rtlCol="0" anchor="ctr"/>
+          <a:lstStyle/>
+          <a:p>
+            <a:pPr algn="ctr"/>
+            <a:endParaRPr lang="en-US"/>
+          </a:p>
+        </p:txBody>
+      </p:sp>
+      <p:sp>
+        <p:nvSpPr>
+          <p:cNvPr id="3" name="Content Placeholder 2">
+            <a:extLst>
+              <a:ext uri="{FF2B5EF4-FFF2-40B4-BE49-F238E27FC236}">
+                <a16:creationId xmlns:a16="http://schemas.microsoft.com/office/drawing/2014/main" id="{8ED19C29-E13A-0542-1B54-E8EA9DC283CE}"/>
+              </a:ext>
+            </a:extLst>
+          </p:cNvPr>
+          <p:cNvSpPr>
+            <a:spLocks noGrp="1"/>
+          </p:cNvSpPr>
+          <p:nvPr>
+            <p:ph sz="half" idx="1"/>
+          </p:nvPr>
+        </p:nvSpPr>
+        <p:spPr>
+          <a:xfrm>
+            <a:off x="6574536" y="640080"/>
+            <a:ext cx="5053066" cy="2546604"/>
+          </a:xfrm>
+        </p:spPr>
+        <p:txBody>
+          <a:bodyPr>
+            <a:normAutofit/>
+          </a:bodyPr>
+          <a:lstStyle/>
+          <a:p>
+            <a:pPr marL="0" indent="0">
+              <a:buNone/>
+            </a:pPr>
+            <a:r>
+              <a:rPr lang="en-US" sz="1700"/>
+              <a:t>Dijkstra:</a:t>
+            </a:r>
+          </a:p>
+          <a:p>
+            <a:pPr marL="0" indent="0">
+              <a:buNone/>
+            </a:pPr>
+            <a:endParaRPr lang="en-US" sz="1700"/>
+          </a:p>
+          <a:p>
+            <a:r>
+              <a:rPr lang="en-US" sz="1700"/>
+              <a:t>Finds Solution</a:t>
+            </a:r>
+          </a:p>
+          <a:p>
+            <a:r>
+              <a:rPr lang="en-US" sz="1700"/>
+              <a:t>Finds best path of least resistance – much better than Greedy</a:t>
+            </a:r>
+          </a:p>
+          <a:p>
+            <a:r>
+              <a:rPr lang="en-US" sz="1700"/>
+              <a:t>Path reconstruction</a:t>
+            </a:r>
+          </a:p>
+          <a:p>
+            <a:r>
+              <a:rPr lang="en-US" sz="1700"/>
+              <a:t>Adaptability</a:t>
+            </a:r>
+          </a:p>
+          <a:p>
+            <a:endParaRPr lang="en-US" sz="1700"/>
+          </a:p>
+          <a:p>
+            <a:endParaRPr lang="en-US" sz="1700"/>
+          </a:p>
+          <a:p>
+            <a:pPr marL="0" indent="0">
+              <a:buNone/>
+            </a:pPr>
+            <a:endParaRPr lang="en-US" sz="1700"/>
+          </a:p>
+        </p:txBody>
+      </p:sp>
+      <p:sp>
+        <p:nvSpPr>
+          <p:cNvPr id="4" name="Content Placeholder 3">
+            <a:extLst>
+              <a:ext uri="{FF2B5EF4-FFF2-40B4-BE49-F238E27FC236}">
+                <a16:creationId xmlns:a16="http://schemas.microsoft.com/office/drawing/2014/main" id="{BFEEA664-2A2F-B283-3DE4-8837A10B2BBF}"/>
+              </a:ext>
+            </a:extLst>
+          </p:cNvPr>
+          <p:cNvSpPr>
+            <a:spLocks noGrp="1"/>
+          </p:cNvSpPr>
+          <p:nvPr>
+            <p:ph sz="half" idx="2"/>
+          </p:nvPr>
+        </p:nvSpPr>
+        <p:spPr>
+          <a:xfrm>
+            <a:off x="6570204" y="3671315"/>
+            <a:ext cx="5057398" cy="2546605"/>
+          </a:xfrm>
+        </p:spPr>
+        <p:txBody>
+          <a:bodyPr>
+            <a:normAutofit/>
+          </a:bodyPr>
+          <a:lstStyle/>
+          <a:p>
+            <a:pPr marL="0" indent="0">
+              <a:buNone/>
+            </a:pPr>
+            <a:r>
+              <a:rPr lang="en-US" sz="2000"/>
+              <a:t>Greedy:</a:t>
+            </a:r>
+          </a:p>
+          <a:p>
+            <a:pPr marL="0" indent="0">
+              <a:buNone/>
+            </a:pPr>
+            <a:endParaRPr lang="en-US" sz="2000"/>
+          </a:p>
+          <a:p>
+            <a:r>
+              <a:rPr lang="en-US" sz="2000"/>
+              <a:t>Finds Solution</a:t>
+            </a:r>
+          </a:p>
+          <a:p>
+            <a:r>
+              <a:rPr lang="en-US" sz="2000"/>
+              <a:t>Runs slightly faster than Dijkstra</a:t>
+            </a:r>
+          </a:p>
+          <a:p>
+            <a:r>
+              <a:rPr lang="en-US" sz="2000"/>
+              <a:t>Not always optimal</a:t>
+            </a:r>
+          </a:p>
+          <a:p>
+            <a:r>
+              <a:rPr lang="en-US" sz="2000"/>
+              <a:t>Simplicity</a:t>
+            </a:r>
+          </a:p>
+          <a:p>
+            <a:endParaRPr lang="en-US" sz="2000"/>
+          </a:p>
+          <a:p>
+            <a:endParaRPr lang="en-US" sz="2000"/>
+          </a:p>
+        </p:txBody>
+      </p:sp>
+    </p:spTree>
+    <p:extLst>
+      <p:ext uri="{BB962C8B-B14F-4D97-AF65-F5344CB8AC3E}">
+        <p14:creationId xmlns:p14="http://schemas.microsoft.com/office/powerpoint/2010/main" val="3281216252"/>
+      </p:ext>
+    </p:extLst>
+  </p:cSld>
+  <p:clrMapOvr>
+    <a:masterClrMapping/>
+  </p:clrMapOvr>
+</p:sld>
+</file>
+
+<file path=ppt/slides/slide16.xml><?xml version="1.0" encoding="utf-8"?>
+<p:sld xmlns:a="http://schemas.openxmlformats.org/drawingml/2006/main" xmlns:r="http://schemas.openxmlformats.org/officeDocument/2006/relationships" xmlns:p="http://schemas.openxmlformats.org/presentationml/2006/main">
+  <p:cSld>
+    <p:bg>
+      <p:bgPr>
+        <a:solidFill>
+          <a:schemeClr val="bg1"/>
+        </a:solidFill>
+        <a:effectLst/>
+      </p:bgPr>
+    </p:bg>
+    <p:spTree>
+      <p:nvGrpSpPr>
+        <p:cNvPr id="1" name=""/>
+        <p:cNvGrpSpPr/>
+        <p:nvPr/>
+      </p:nvGrpSpPr>
+      <p:grpSpPr>
+        <a:xfrm>
+          <a:off x="0" y="0"/>
+          <a:ext cx="0" cy="0"/>
+          <a:chOff x="0" y="0"/>
+          <a:chExt cx="0" cy="0"/>
+        </a:xfrm>
+      </p:grpSpPr>
       <p:sp useBgFill="1">
         <p:nvSpPr>
           <p:cNvPr id="7" name="Rectangle 6">
